--- a/ppt 16-9/0278.黑夜已深.pptx
+++ b/ppt 16-9/0278.黑夜已深.pptx
@@ -5,7 +5,7 @@
     <p:sldMasterId id="2147483648" r:id="rId1"/>
   </p:sldMasterIdLst>
   <p:sldIdLst>
-    <p:sldId id="3141" r:id="rId2"/>
+    <p:sldId id="3142" r:id="rId2"/>
   </p:sldIdLst>
   <p:sldSz cx="12192000" cy="6858000"/>
   <p:notesSz cx="6858000" cy="9144000"/>
@@ -129,7 +129,7 @@
           <p:cNvPr id="2" name="标题 1">
             <a:extLst>
               <a:ext uri="{FF2B5EF4-FFF2-40B4-BE49-F238E27FC236}">
-                <a16:creationId xmlns:a16="http://schemas.microsoft.com/office/drawing/2014/main" id="{BE8D863C-6FBF-5C63-E6D5-86C60E536038}"/>
+                <a16:creationId xmlns:a16="http://schemas.microsoft.com/office/drawing/2014/main" id="{1CE8CE44-2144-4B14-46D6-B37EC9D1EB5C}"/>
               </a:ext>
             </a:extLst>
           </p:cNvPr>
@@ -166,7 +166,7 @@
           <p:cNvPr id="3" name="副标题 2">
             <a:extLst>
               <a:ext uri="{FF2B5EF4-FFF2-40B4-BE49-F238E27FC236}">
-                <a16:creationId xmlns:a16="http://schemas.microsoft.com/office/drawing/2014/main" id="{E58DB305-6662-0FF1-03C5-3E28FBB16A62}"/>
+                <a16:creationId xmlns:a16="http://schemas.microsoft.com/office/drawing/2014/main" id="{A43CB130-3E63-DFEC-00AF-BE1D654E4C7B}"/>
               </a:ext>
             </a:extLst>
           </p:cNvPr>
@@ -236,7 +236,7 @@
           <p:cNvPr id="4" name="日期占位符 3">
             <a:extLst>
               <a:ext uri="{FF2B5EF4-FFF2-40B4-BE49-F238E27FC236}">
-                <a16:creationId xmlns:a16="http://schemas.microsoft.com/office/drawing/2014/main" id="{DD1D4476-7A51-9F69-8A61-8589218B32F8}"/>
+                <a16:creationId xmlns:a16="http://schemas.microsoft.com/office/drawing/2014/main" id="{A3AE7FDC-34E7-3E46-B928-91C45CE2F6CA}"/>
               </a:ext>
             </a:extLst>
           </p:cNvPr>
@@ -252,7 +252,7 @@
           <a:bodyPr/>
           <a:lstStyle/>
           <a:p>
-            <a:fld id="{6E49BA88-D8B6-4C74-9F6A-E00A22F54367}" type="datetimeFigureOut">
+            <a:fld id="{20E2433E-5BC4-4E4C-A56D-D7914B1D2015}" type="datetimeFigureOut">
               <a:rPr lang="zh-CN" altLang="en-US" smtClean="0"/>
               <a:t>2024/3/10</a:t>
             </a:fld>
@@ -265,7 +265,7 @@
           <p:cNvPr id="5" name="页脚占位符 4">
             <a:extLst>
               <a:ext uri="{FF2B5EF4-FFF2-40B4-BE49-F238E27FC236}">
-                <a16:creationId xmlns:a16="http://schemas.microsoft.com/office/drawing/2014/main" id="{82DF7F8B-0EE6-1639-4862-6DC16478778F}"/>
+                <a16:creationId xmlns:a16="http://schemas.microsoft.com/office/drawing/2014/main" id="{1CC0B75F-BDEA-EBA2-7A82-D2433ED19A74}"/>
               </a:ext>
             </a:extLst>
           </p:cNvPr>
@@ -290,7 +290,7 @@
           <p:cNvPr id="6" name="灯片编号占位符 5">
             <a:extLst>
               <a:ext uri="{FF2B5EF4-FFF2-40B4-BE49-F238E27FC236}">
-                <a16:creationId xmlns:a16="http://schemas.microsoft.com/office/drawing/2014/main" id="{B59A4DF8-11C6-13CD-7ED2-5909753FB650}"/>
+                <a16:creationId xmlns:a16="http://schemas.microsoft.com/office/drawing/2014/main" id="{72566F0C-0C17-D4FF-110E-658863AB9C2E}"/>
               </a:ext>
             </a:extLst>
           </p:cNvPr>
@@ -306,7 +306,7 @@
           <a:bodyPr/>
           <a:lstStyle/>
           <a:p>
-            <a:fld id="{3C6C13F4-CD09-4531-B357-7BF6F58EA81C}" type="slidenum">
+            <a:fld id="{15699DE3-29E7-4E9B-AB59-629A396117A4}" type="slidenum">
               <a:rPr lang="zh-CN" altLang="en-US" smtClean="0"/>
               <a:t>‹#›</a:t>
             </a:fld>
@@ -317,7 +317,7 @@
     </p:spTree>
     <p:extLst>
       <p:ext uri="{BB962C8B-B14F-4D97-AF65-F5344CB8AC3E}">
-        <p14:creationId xmlns:p14="http://schemas.microsoft.com/office/powerpoint/2010/main" val="1763758949"/>
+        <p14:creationId xmlns:p14="http://schemas.microsoft.com/office/powerpoint/2010/main" val="2866600938"/>
       </p:ext>
     </p:extLst>
   </p:cSld>
@@ -349,7 +349,7 @@
           <p:cNvPr id="2" name="标题 1">
             <a:extLst>
               <a:ext uri="{FF2B5EF4-FFF2-40B4-BE49-F238E27FC236}">
-                <a16:creationId xmlns:a16="http://schemas.microsoft.com/office/drawing/2014/main" id="{AC1A2C25-417E-71A9-FDCA-BA782711ED35}"/>
+                <a16:creationId xmlns:a16="http://schemas.microsoft.com/office/drawing/2014/main" id="{817B5E6D-37D7-3024-E4E0-6750FAFEF89B}"/>
               </a:ext>
             </a:extLst>
           </p:cNvPr>
@@ -377,7 +377,7 @@
           <p:cNvPr id="3" name="竖排文字占位符 2">
             <a:extLst>
               <a:ext uri="{FF2B5EF4-FFF2-40B4-BE49-F238E27FC236}">
-                <a16:creationId xmlns:a16="http://schemas.microsoft.com/office/drawing/2014/main" id="{BF05F8E6-A147-39DB-8B63-02E48B58CBC0}"/>
+                <a16:creationId xmlns:a16="http://schemas.microsoft.com/office/drawing/2014/main" id="{6C244BBC-DC2E-9C2B-71EB-7DBA62F206A2}"/>
               </a:ext>
             </a:extLst>
           </p:cNvPr>
@@ -434,7 +434,7 @@
           <p:cNvPr id="4" name="日期占位符 3">
             <a:extLst>
               <a:ext uri="{FF2B5EF4-FFF2-40B4-BE49-F238E27FC236}">
-                <a16:creationId xmlns:a16="http://schemas.microsoft.com/office/drawing/2014/main" id="{60EAF89E-2846-3C68-4ADF-82FB6D8DD38B}"/>
+                <a16:creationId xmlns:a16="http://schemas.microsoft.com/office/drawing/2014/main" id="{C81EE721-F16D-9F77-5CF9-8E5A47BE3918}"/>
               </a:ext>
             </a:extLst>
           </p:cNvPr>
@@ -450,7 +450,7 @@
           <a:bodyPr/>
           <a:lstStyle/>
           <a:p>
-            <a:fld id="{6E49BA88-D8B6-4C74-9F6A-E00A22F54367}" type="datetimeFigureOut">
+            <a:fld id="{20E2433E-5BC4-4E4C-A56D-D7914B1D2015}" type="datetimeFigureOut">
               <a:rPr lang="zh-CN" altLang="en-US" smtClean="0"/>
               <a:t>2024/3/10</a:t>
             </a:fld>
@@ -463,7 +463,7 @@
           <p:cNvPr id="5" name="页脚占位符 4">
             <a:extLst>
               <a:ext uri="{FF2B5EF4-FFF2-40B4-BE49-F238E27FC236}">
-                <a16:creationId xmlns:a16="http://schemas.microsoft.com/office/drawing/2014/main" id="{81ADC076-8C34-8E59-DF09-39C45C4FF38D}"/>
+                <a16:creationId xmlns:a16="http://schemas.microsoft.com/office/drawing/2014/main" id="{B360C0FA-73EF-23A4-8ED7-C220AC65FE56}"/>
               </a:ext>
             </a:extLst>
           </p:cNvPr>
@@ -488,7 +488,7 @@
           <p:cNvPr id="6" name="灯片编号占位符 5">
             <a:extLst>
               <a:ext uri="{FF2B5EF4-FFF2-40B4-BE49-F238E27FC236}">
-                <a16:creationId xmlns:a16="http://schemas.microsoft.com/office/drawing/2014/main" id="{D49851AD-0DEE-D861-8F8F-7E40ECC7DD55}"/>
+                <a16:creationId xmlns:a16="http://schemas.microsoft.com/office/drawing/2014/main" id="{D361183F-3415-B0E5-9E31-519A06026D67}"/>
               </a:ext>
             </a:extLst>
           </p:cNvPr>
@@ -504,7 +504,7 @@
           <a:bodyPr/>
           <a:lstStyle/>
           <a:p>
-            <a:fld id="{3C6C13F4-CD09-4531-B357-7BF6F58EA81C}" type="slidenum">
+            <a:fld id="{15699DE3-29E7-4E9B-AB59-629A396117A4}" type="slidenum">
               <a:rPr lang="zh-CN" altLang="en-US" smtClean="0"/>
               <a:t>‹#›</a:t>
             </a:fld>
@@ -515,7 +515,7 @@
     </p:spTree>
     <p:extLst>
       <p:ext uri="{BB962C8B-B14F-4D97-AF65-F5344CB8AC3E}">
-        <p14:creationId xmlns:p14="http://schemas.microsoft.com/office/powerpoint/2010/main" val="3482816416"/>
+        <p14:creationId xmlns:p14="http://schemas.microsoft.com/office/powerpoint/2010/main" val="986872844"/>
       </p:ext>
     </p:extLst>
   </p:cSld>
@@ -547,7 +547,7 @@
           <p:cNvPr id="2" name="竖排标题 1">
             <a:extLst>
               <a:ext uri="{FF2B5EF4-FFF2-40B4-BE49-F238E27FC236}">
-                <a16:creationId xmlns:a16="http://schemas.microsoft.com/office/drawing/2014/main" id="{1663041B-74AD-4EDF-10FA-15439FA1B655}"/>
+                <a16:creationId xmlns:a16="http://schemas.microsoft.com/office/drawing/2014/main" id="{74B62D28-CEDA-94D2-4FAF-640F1614C622}"/>
               </a:ext>
             </a:extLst>
           </p:cNvPr>
@@ -580,7 +580,7 @@
           <p:cNvPr id="3" name="竖排文字占位符 2">
             <a:extLst>
               <a:ext uri="{FF2B5EF4-FFF2-40B4-BE49-F238E27FC236}">
-                <a16:creationId xmlns:a16="http://schemas.microsoft.com/office/drawing/2014/main" id="{C11885B8-7388-77BC-F76B-FB0022A7A6E4}"/>
+                <a16:creationId xmlns:a16="http://schemas.microsoft.com/office/drawing/2014/main" id="{DCA93EA9-16F3-0F7E-1762-646D9E0B8D55}"/>
               </a:ext>
             </a:extLst>
           </p:cNvPr>
@@ -642,7 +642,7 @@
           <p:cNvPr id="4" name="日期占位符 3">
             <a:extLst>
               <a:ext uri="{FF2B5EF4-FFF2-40B4-BE49-F238E27FC236}">
-                <a16:creationId xmlns:a16="http://schemas.microsoft.com/office/drawing/2014/main" id="{8BC0D54D-B822-7469-9B7C-CC984B1FA026}"/>
+                <a16:creationId xmlns:a16="http://schemas.microsoft.com/office/drawing/2014/main" id="{AA186958-0F78-21CB-025E-690E90001B22}"/>
               </a:ext>
             </a:extLst>
           </p:cNvPr>
@@ -658,7 +658,7 @@
           <a:bodyPr/>
           <a:lstStyle/>
           <a:p>
-            <a:fld id="{6E49BA88-D8B6-4C74-9F6A-E00A22F54367}" type="datetimeFigureOut">
+            <a:fld id="{20E2433E-5BC4-4E4C-A56D-D7914B1D2015}" type="datetimeFigureOut">
               <a:rPr lang="zh-CN" altLang="en-US" smtClean="0"/>
               <a:t>2024/3/10</a:t>
             </a:fld>
@@ -671,7 +671,7 @@
           <p:cNvPr id="5" name="页脚占位符 4">
             <a:extLst>
               <a:ext uri="{FF2B5EF4-FFF2-40B4-BE49-F238E27FC236}">
-                <a16:creationId xmlns:a16="http://schemas.microsoft.com/office/drawing/2014/main" id="{87C2B3BF-D3DA-F06D-1081-1DF992EE06BB}"/>
+                <a16:creationId xmlns:a16="http://schemas.microsoft.com/office/drawing/2014/main" id="{E340F774-0EE2-B47F-1A12-0362789479F7}"/>
               </a:ext>
             </a:extLst>
           </p:cNvPr>
@@ -696,7 +696,7 @@
           <p:cNvPr id="6" name="灯片编号占位符 5">
             <a:extLst>
               <a:ext uri="{FF2B5EF4-FFF2-40B4-BE49-F238E27FC236}">
-                <a16:creationId xmlns:a16="http://schemas.microsoft.com/office/drawing/2014/main" id="{07AADB37-3F53-CB5E-7B84-A3F5C14AEEBA}"/>
+                <a16:creationId xmlns:a16="http://schemas.microsoft.com/office/drawing/2014/main" id="{EE74F33F-2363-3604-6156-F9055F52EE59}"/>
               </a:ext>
             </a:extLst>
           </p:cNvPr>
@@ -712,7 +712,7 @@
           <a:bodyPr/>
           <a:lstStyle/>
           <a:p>
-            <a:fld id="{3C6C13F4-CD09-4531-B357-7BF6F58EA81C}" type="slidenum">
+            <a:fld id="{15699DE3-29E7-4E9B-AB59-629A396117A4}" type="slidenum">
               <a:rPr lang="zh-CN" altLang="en-US" smtClean="0"/>
               <a:t>‹#›</a:t>
             </a:fld>
@@ -723,7 +723,7 @@
     </p:spTree>
     <p:extLst>
       <p:ext uri="{BB962C8B-B14F-4D97-AF65-F5344CB8AC3E}">
-        <p14:creationId xmlns:p14="http://schemas.microsoft.com/office/powerpoint/2010/main" val="898006917"/>
+        <p14:creationId xmlns:p14="http://schemas.microsoft.com/office/powerpoint/2010/main" val="3589605954"/>
       </p:ext>
     </p:extLst>
   </p:cSld>
@@ -755,7 +755,7 @@
           <p:cNvPr id="2" name="标题 1">
             <a:extLst>
               <a:ext uri="{FF2B5EF4-FFF2-40B4-BE49-F238E27FC236}">
-                <a16:creationId xmlns:a16="http://schemas.microsoft.com/office/drawing/2014/main" id="{219B5CEC-0BB6-A328-C4B5-DF8EC1C892F8}"/>
+                <a16:creationId xmlns:a16="http://schemas.microsoft.com/office/drawing/2014/main" id="{D3A32E43-9E81-8BBE-E643-D2963D41DB6E}"/>
               </a:ext>
             </a:extLst>
           </p:cNvPr>
@@ -783,7 +783,7 @@
           <p:cNvPr id="3" name="内容占位符 2">
             <a:extLst>
               <a:ext uri="{FF2B5EF4-FFF2-40B4-BE49-F238E27FC236}">
-                <a16:creationId xmlns:a16="http://schemas.microsoft.com/office/drawing/2014/main" id="{8EDF827A-0D7F-F162-F78B-A0AB1969FC5E}"/>
+                <a16:creationId xmlns:a16="http://schemas.microsoft.com/office/drawing/2014/main" id="{F271D712-4577-FFE6-1835-32C6D3C73D21}"/>
               </a:ext>
             </a:extLst>
           </p:cNvPr>
@@ -840,7 +840,7 @@
           <p:cNvPr id="4" name="日期占位符 3">
             <a:extLst>
               <a:ext uri="{FF2B5EF4-FFF2-40B4-BE49-F238E27FC236}">
-                <a16:creationId xmlns:a16="http://schemas.microsoft.com/office/drawing/2014/main" id="{726D742D-DCE0-D8DD-3FCC-CFACFFAC26C8}"/>
+                <a16:creationId xmlns:a16="http://schemas.microsoft.com/office/drawing/2014/main" id="{8E308AD7-C1C6-E1F6-8BE9-C1498C24712E}"/>
               </a:ext>
             </a:extLst>
           </p:cNvPr>
@@ -856,7 +856,7 @@
           <a:bodyPr/>
           <a:lstStyle/>
           <a:p>
-            <a:fld id="{6E49BA88-D8B6-4C74-9F6A-E00A22F54367}" type="datetimeFigureOut">
+            <a:fld id="{20E2433E-5BC4-4E4C-A56D-D7914B1D2015}" type="datetimeFigureOut">
               <a:rPr lang="zh-CN" altLang="en-US" smtClean="0"/>
               <a:t>2024/3/10</a:t>
             </a:fld>
@@ -869,7 +869,7 @@
           <p:cNvPr id="5" name="页脚占位符 4">
             <a:extLst>
               <a:ext uri="{FF2B5EF4-FFF2-40B4-BE49-F238E27FC236}">
-                <a16:creationId xmlns:a16="http://schemas.microsoft.com/office/drawing/2014/main" id="{6AE61A86-40A7-C562-CE69-217BB6D6CC5E}"/>
+                <a16:creationId xmlns:a16="http://schemas.microsoft.com/office/drawing/2014/main" id="{692A1837-61ED-47A6-9132-EA54B5A716F1}"/>
               </a:ext>
             </a:extLst>
           </p:cNvPr>
@@ -894,7 +894,7 @@
           <p:cNvPr id="6" name="灯片编号占位符 5">
             <a:extLst>
               <a:ext uri="{FF2B5EF4-FFF2-40B4-BE49-F238E27FC236}">
-                <a16:creationId xmlns:a16="http://schemas.microsoft.com/office/drawing/2014/main" id="{6FF3332F-EAB2-4559-A438-6118BA6AFDBC}"/>
+                <a16:creationId xmlns:a16="http://schemas.microsoft.com/office/drawing/2014/main" id="{37512EBB-6578-5E0A-221B-EC8DF8BA4B8E}"/>
               </a:ext>
             </a:extLst>
           </p:cNvPr>
@@ -910,7 +910,7 @@
           <a:bodyPr/>
           <a:lstStyle/>
           <a:p>
-            <a:fld id="{3C6C13F4-CD09-4531-B357-7BF6F58EA81C}" type="slidenum">
+            <a:fld id="{15699DE3-29E7-4E9B-AB59-629A396117A4}" type="slidenum">
               <a:rPr lang="zh-CN" altLang="en-US" smtClean="0"/>
               <a:t>‹#›</a:t>
             </a:fld>
@@ -921,7 +921,7 @@
     </p:spTree>
     <p:extLst>
       <p:ext uri="{BB962C8B-B14F-4D97-AF65-F5344CB8AC3E}">
-        <p14:creationId xmlns:p14="http://schemas.microsoft.com/office/powerpoint/2010/main" val="3190165239"/>
+        <p14:creationId xmlns:p14="http://schemas.microsoft.com/office/powerpoint/2010/main" val="2233624900"/>
       </p:ext>
     </p:extLst>
   </p:cSld>
@@ -953,7 +953,7 @@
           <p:cNvPr id="2" name="标题 1">
             <a:extLst>
               <a:ext uri="{FF2B5EF4-FFF2-40B4-BE49-F238E27FC236}">
-                <a16:creationId xmlns:a16="http://schemas.microsoft.com/office/drawing/2014/main" id="{FBEB8A7F-E43B-8D5B-5FE7-0F52552746F2}"/>
+                <a16:creationId xmlns:a16="http://schemas.microsoft.com/office/drawing/2014/main" id="{62008E3F-27E1-A588-42FA-3D360AE07049}"/>
               </a:ext>
             </a:extLst>
           </p:cNvPr>
@@ -990,7 +990,7 @@
           <p:cNvPr id="3" name="文本占位符 2">
             <a:extLst>
               <a:ext uri="{FF2B5EF4-FFF2-40B4-BE49-F238E27FC236}">
-                <a16:creationId xmlns:a16="http://schemas.microsoft.com/office/drawing/2014/main" id="{5F2F813B-51EB-56EE-2964-47A6E3719E89}"/>
+                <a16:creationId xmlns:a16="http://schemas.microsoft.com/office/drawing/2014/main" id="{249AE696-6C31-7C4A-C451-1B6801352197}"/>
               </a:ext>
             </a:extLst>
           </p:cNvPr>
@@ -1115,7 +1115,7 @@
           <p:cNvPr id="4" name="日期占位符 3">
             <a:extLst>
               <a:ext uri="{FF2B5EF4-FFF2-40B4-BE49-F238E27FC236}">
-                <a16:creationId xmlns:a16="http://schemas.microsoft.com/office/drawing/2014/main" id="{350116F1-380B-8097-2993-06F67E6634CE}"/>
+                <a16:creationId xmlns:a16="http://schemas.microsoft.com/office/drawing/2014/main" id="{FEF6A936-B987-E3B2-DD92-E19367FB93E7}"/>
               </a:ext>
             </a:extLst>
           </p:cNvPr>
@@ -1131,7 +1131,7 @@
           <a:bodyPr/>
           <a:lstStyle/>
           <a:p>
-            <a:fld id="{6E49BA88-D8B6-4C74-9F6A-E00A22F54367}" type="datetimeFigureOut">
+            <a:fld id="{20E2433E-5BC4-4E4C-A56D-D7914B1D2015}" type="datetimeFigureOut">
               <a:rPr lang="zh-CN" altLang="en-US" smtClean="0"/>
               <a:t>2024/3/10</a:t>
             </a:fld>
@@ -1144,7 +1144,7 @@
           <p:cNvPr id="5" name="页脚占位符 4">
             <a:extLst>
               <a:ext uri="{FF2B5EF4-FFF2-40B4-BE49-F238E27FC236}">
-                <a16:creationId xmlns:a16="http://schemas.microsoft.com/office/drawing/2014/main" id="{8427231C-C0DB-38A1-DC10-D7D9927D9F3E}"/>
+                <a16:creationId xmlns:a16="http://schemas.microsoft.com/office/drawing/2014/main" id="{949D63DC-64A0-D9B0-08E1-D8F4C8EA5ACD}"/>
               </a:ext>
             </a:extLst>
           </p:cNvPr>
@@ -1169,7 +1169,7 @@
           <p:cNvPr id="6" name="灯片编号占位符 5">
             <a:extLst>
               <a:ext uri="{FF2B5EF4-FFF2-40B4-BE49-F238E27FC236}">
-                <a16:creationId xmlns:a16="http://schemas.microsoft.com/office/drawing/2014/main" id="{578C1A14-5753-1EAB-13F8-6B810820B3AF}"/>
+                <a16:creationId xmlns:a16="http://schemas.microsoft.com/office/drawing/2014/main" id="{11027795-5A7D-62AE-CA30-82373FE7333A}"/>
               </a:ext>
             </a:extLst>
           </p:cNvPr>
@@ -1185,7 +1185,7 @@
           <a:bodyPr/>
           <a:lstStyle/>
           <a:p>
-            <a:fld id="{3C6C13F4-CD09-4531-B357-7BF6F58EA81C}" type="slidenum">
+            <a:fld id="{15699DE3-29E7-4E9B-AB59-629A396117A4}" type="slidenum">
               <a:rPr lang="zh-CN" altLang="en-US" smtClean="0"/>
               <a:t>‹#›</a:t>
             </a:fld>
@@ -1196,7 +1196,7 @@
     </p:spTree>
     <p:extLst>
       <p:ext uri="{BB962C8B-B14F-4D97-AF65-F5344CB8AC3E}">
-        <p14:creationId xmlns:p14="http://schemas.microsoft.com/office/powerpoint/2010/main" val="822116824"/>
+        <p14:creationId xmlns:p14="http://schemas.microsoft.com/office/powerpoint/2010/main" val="2029820747"/>
       </p:ext>
     </p:extLst>
   </p:cSld>
@@ -1228,7 +1228,7 @@
           <p:cNvPr id="2" name="标题 1">
             <a:extLst>
               <a:ext uri="{FF2B5EF4-FFF2-40B4-BE49-F238E27FC236}">
-                <a16:creationId xmlns:a16="http://schemas.microsoft.com/office/drawing/2014/main" id="{D30BB647-36E6-70D2-A484-621B1E025521}"/>
+                <a16:creationId xmlns:a16="http://schemas.microsoft.com/office/drawing/2014/main" id="{D7B473A9-7417-3D5A-4AD3-0D5A6D76D4D8}"/>
               </a:ext>
             </a:extLst>
           </p:cNvPr>
@@ -1256,7 +1256,7 @@
           <p:cNvPr id="3" name="内容占位符 2">
             <a:extLst>
               <a:ext uri="{FF2B5EF4-FFF2-40B4-BE49-F238E27FC236}">
-                <a16:creationId xmlns:a16="http://schemas.microsoft.com/office/drawing/2014/main" id="{691018CD-5151-2310-ED26-34D4EEF73B7A}"/>
+                <a16:creationId xmlns:a16="http://schemas.microsoft.com/office/drawing/2014/main" id="{60D6BCA2-297D-1FC8-46A8-2C9A4B58461F}"/>
               </a:ext>
             </a:extLst>
           </p:cNvPr>
@@ -1318,7 +1318,7 @@
           <p:cNvPr id="4" name="内容占位符 3">
             <a:extLst>
               <a:ext uri="{FF2B5EF4-FFF2-40B4-BE49-F238E27FC236}">
-                <a16:creationId xmlns:a16="http://schemas.microsoft.com/office/drawing/2014/main" id="{35483A72-6196-8055-1156-430C912EA1A6}"/>
+                <a16:creationId xmlns:a16="http://schemas.microsoft.com/office/drawing/2014/main" id="{E0599799-E383-5D65-F661-E7058695E863}"/>
               </a:ext>
             </a:extLst>
           </p:cNvPr>
@@ -1380,7 +1380,7 @@
           <p:cNvPr id="5" name="日期占位符 4">
             <a:extLst>
               <a:ext uri="{FF2B5EF4-FFF2-40B4-BE49-F238E27FC236}">
-                <a16:creationId xmlns:a16="http://schemas.microsoft.com/office/drawing/2014/main" id="{A2C27C87-EFF5-CEF1-0A42-F5C6AAB3F476}"/>
+                <a16:creationId xmlns:a16="http://schemas.microsoft.com/office/drawing/2014/main" id="{D7B8AC0F-2998-C9A4-6881-066D4F142D9B}"/>
               </a:ext>
             </a:extLst>
           </p:cNvPr>
@@ -1396,7 +1396,7 @@
           <a:bodyPr/>
           <a:lstStyle/>
           <a:p>
-            <a:fld id="{6E49BA88-D8B6-4C74-9F6A-E00A22F54367}" type="datetimeFigureOut">
+            <a:fld id="{20E2433E-5BC4-4E4C-A56D-D7914B1D2015}" type="datetimeFigureOut">
               <a:rPr lang="zh-CN" altLang="en-US" smtClean="0"/>
               <a:t>2024/3/10</a:t>
             </a:fld>
@@ -1409,7 +1409,7 @@
           <p:cNvPr id="6" name="页脚占位符 5">
             <a:extLst>
               <a:ext uri="{FF2B5EF4-FFF2-40B4-BE49-F238E27FC236}">
-                <a16:creationId xmlns:a16="http://schemas.microsoft.com/office/drawing/2014/main" id="{D557769D-08DC-6B3D-7D86-3EFE8D5F72E3}"/>
+                <a16:creationId xmlns:a16="http://schemas.microsoft.com/office/drawing/2014/main" id="{1ACFB143-9CCC-AC6E-6C8B-C4B4966F3CC6}"/>
               </a:ext>
             </a:extLst>
           </p:cNvPr>
@@ -1434,7 +1434,7 @@
           <p:cNvPr id="7" name="灯片编号占位符 6">
             <a:extLst>
               <a:ext uri="{FF2B5EF4-FFF2-40B4-BE49-F238E27FC236}">
-                <a16:creationId xmlns:a16="http://schemas.microsoft.com/office/drawing/2014/main" id="{938E5783-D6AD-6175-16D5-E5D6197A0731}"/>
+                <a16:creationId xmlns:a16="http://schemas.microsoft.com/office/drawing/2014/main" id="{BD46F564-ADBD-3326-3ABF-DF884B564924}"/>
               </a:ext>
             </a:extLst>
           </p:cNvPr>
@@ -1450,7 +1450,7 @@
           <a:bodyPr/>
           <a:lstStyle/>
           <a:p>
-            <a:fld id="{3C6C13F4-CD09-4531-B357-7BF6F58EA81C}" type="slidenum">
+            <a:fld id="{15699DE3-29E7-4E9B-AB59-629A396117A4}" type="slidenum">
               <a:rPr lang="zh-CN" altLang="en-US" smtClean="0"/>
               <a:t>‹#›</a:t>
             </a:fld>
@@ -1461,7 +1461,7 @@
     </p:spTree>
     <p:extLst>
       <p:ext uri="{BB962C8B-B14F-4D97-AF65-F5344CB8AC3E}">
-        <p14:creationId xmlns:p14="http://schemas.microsoft.com/office/powerpoint/2010/main" val="1369688034"/>
+        <p14:creationId xmlns:p14="http://schemas.microsoft.com/office/powerpoint/2010/main" val="1544413586"/>
       </p:ext>
     </p:extLst>
   </p:cSld>
@@ -1493,7 +1493,7 @@
           <p:cNvPr id="2" name="标题 1">
             <a:extLst>
               <a:ext uri="{FF2B5EF4-FFF2-40B4-BE49-F238E27FC236}">
-                <a16:creationId xmlns:a16="http://schemas.microsoft.com/office/drawing/2014/main" id="{6E36D4DC-4F0F-E832-9C4A-49DEE5936371}"/>
+                <a16:creationId xmlns:a16="http://schemas.microsoft.com/office/drawing/2014/main" id="{37ACEF80-60DA-7376-3D39-CC205CABA509}"/>
               </a:ext>
             </a:extLst>
           </p:cNvPr>
@@ -1526,7 +1526,7 @@
           <p:cNvPr id="3" name="文本占位符 2">
             <a:extLst>
               <a:ext uri="{FF2B5EF4-FFF2-40B4-BE49-F238E27FC236}">
-                <a16:creationId xmlns:a16="http://schemas.microsoft.com/office/drawing/2014/main" id="{9352A3D6-D8E9-4E7E-C34E-0FCB7082F793}"/>
+                <a16:creationId xmlns:a16="http://schemas.microsoft.com/office/drawing/2014/main" id="{B3E0E67F-3696-8A93-15A6-E3E88FF1756B}"/>
               </a:ext>
             </a:extLst>
           </p:cNvPr>
@@ -1597,7 +1597,7 @@
           <p:cNvPr id="4" name="内容占位符 3">
             <a:extLst>
               <a:ext uri="{FF2B5EF4-FFF2-40B4-BE49-F238E27FC236}">
-                <a16:creationId xmlns:a16="http://schemas.microsoft.com/office/drawing/2014/main" id="{D7173499-C792-11BD-DCC1-A896280C2751}"/>
+                <a16:creationId xmlns:a16="http://schemas.microsoft.com/office/drawing/2014/main" id="{E3E5C129-3FB7-0C19-F479-12426427678D}"/>
               </a:ext>
             </a:extLst>
           </p:cNvPr>
@@ -1659,7 +1659,7 @@
           <p:cNvPr id="5" name="文本占位符 4">
             <a:extLst>
               <a:ext uri="{FF2B5EF4-FFF2-40B4-BE49-F238E27FC236}">
-                <a16:creationId xmlns:a16="http://schemas.microsoft.com/office/drawing/2014/main" id="{BF05CD0E-76FB-1E9F-8D40-026CF4768033}"/>
+                <a16:creationId xmlns:a16="http://schemas.microsoft.com/office/drawing/2014/main" id="{4325A207-38CE-2585-587E-785A78CDE93D}"/>
               </a:ext>
             </a:extLst>
           </p:cNvPr>
@@ -1730,7 +1730,7 @@
           <p:cNvPr id="6" name="内容占位符 5">
             <a:extLst>
               <a:ext uri="{FF2B5EF4-FFF2-40B4-BE49-F238E27FC236}">
-                <a16:creationId xmlns:a16="http://schemas.microsoft.com/office/drawing/2014/main" id="{EF43C17F-4976-6C6E-56BB-C99E7A618628}"/>
+                <a16:creationId xmlns:a16="http://schemas.microsoft.com/office/drawing/2014/main" id="{AE561B0F-AF7F-AA13-2505-14C77ACD477D}"/>
               </a:ext>
             </a:extLst>
           </p:cNvPr>
@@ -1792,7 +1792,7 @@
           <p:cNvPr id="7" name="日期占位符 6">
             <a:extLst>
               <a:ext uri="{FF2B5EF4-FFF2-40B4-BE49-F238E27FC236}">
-                <a16:creationId xmlns:a16="http://schemas.microsoft.com/office/drawing/2014/main" id="{502A62DA-2F8C-9BCA-ED07-E10B0670C6C5}"/>
+                <a16:creationId xmlns:a16="http://schemas.microsoft.com/office/drawing/2014/main" id="{C5B1F147-90C9-B631-21C5-1567FE0D1725}"/>
               </a:ext>
             </a:extLst>
           </p:cNvPr>
@@ -1808,7 +1808,7 @@
           <a:bodyPr/>
           <a:lstStyle/>
           <a:p>
-            <a:fld id="{6E49BA88-D8B6-4C74-9F6A-E00A22F54367}" type="datetimeFigureOut">
+            <a:fld id="{20E2433E-5BC4-4E4C-A56D-D7914B1D2015}" type="datetimeFigureOut">
               <a:rPr lang="zh-CN" altLang="en-US" smtClean="0"/>
               <a:t>2024/3/10</a:t>
             </a:fld>
@@ -1821,7 +1821,7 @@
           <p:cNvPr id="8" name="页脚占位符 7">
             <a:extLst>
               <a:ext uri="{FF2B5EF4-FFF2-40B4-BE49-F238E27FC236}">
-                <a16:creationId xmlns:a16="http://schemas.microsoft.com/office/drawing/2014/main" id="{76605369-1D70-4AAF-9F46-D4F221B9AEAF}"/>
+                <a16:creationId xmlns:a16="http://schemas.microsoft.com/office/drawing/2014/main" id="{816A2B1E-8199-410F-E167-9D0133194562}"/>
               </a:ext>
             </a:extLst>
           </p:cNvPr>
@@ -1846,7 +1846,7 @@
           <p:cNvPr id="9" name="灯片编号占位符 8">
             <a:extLst>
               <a:ext uri="{FF2B5EF4-FFF2-40B4-BE49-F238E27FC236}">
-                <a16:creationId xmlns:a16="http://schemas.microsoft.com/office/drawing/2014/main" id="{CDE4B515-0325-9268-801A-4416C60225D9}"/>
+                <a16:creationId xmlns:a16="http://schemas.microsoft.com/office/drawing/2014/main" id="{DB1D0A12-0B7E-DD65-65A2-415C9CC732AC}"/>
               </a:ext>
             </a:extLst>
           </p:cNvPr>
@@ -1862,7 +1862,7 @@
           <a:bodyPr/>
           <a:lstStyle/>
           <a:p>
-            <a:fld id="{3C6C13F4-CD09-4531-B357-7BF6F58EA81C}" type="slidenum">
+            <a:fld id="{15699DE3-29E7-4E9B-AB59-629A396117A4}" type="slidenum">
               <a:rPr lang="zh-CN" altLang="en-US" smtClean="0"/>
               <a:t>‹#›</a:t>
             </a:fld>
@@ -1873,7 +1873,7 @@
     </p:spTree>
     <p:extLst>
       <p:ext uri="{BB962C8B-B14F-4D97-AF65-F5344CB8AC3E}">
-        <p14:creationId xmlns:p14="http://schemas.microsoft.com/office/powerpoint/2010/main" val="2256121420"/>
+        <p14:creationId xmlns:p14="http://schemas.microsoft.com/office/powerpoint/2010/main" val="2495460570"/>
       </p:ext>
     </p:extLst>
   </p:cSld>
@@ -1905,7 +1905,7 @@
           <p:cNvPr id="2" name="标题 1">
             <a:extLst>
               <a:ext uri="{FF2B5EF4-FFF2-40B4-BE49-F238E27FC236}">
-                <a16:creationId xmlns:a16="http://schemas.microsoft.com/office/drawing/2014/main" id="{6A882C1D-22EF-5061-339B-C6812124E95D}"/>
+                <a16:creationId xmlns:a16="http://schemas.microsoft.com/office/drawing/2014/main" id="{2DA34804-ACEE-CBC9-87A6-A5B35F85CA5E}"/>
               </a:ext>
             </a:extLst>
           </p:cNvPr>
@@ -1933,7 +1933,7 @@
           <p:cNvPr id="3" name="日期占位符 2">
             <a:extLst>
               <a:ext uri="{FF2B5EF4-FFF2-40B4-BE49-F238E27FC236}">
-                <a16:creationId xmlns:a16="http://schemas.microsoft.com/office/drawing/2014/main" id="{A0BC5A3F-5F19-9A40-DE45-C7547461C5F8}"/>
+                <a16:creationId xmlns:a16="http://schemas.microsoft.com/office/drawing/2014/main" id="{E5D630D6-237E-5493-8E39-A6E8B5A827FD}"/>
               </a:ext>
             </a:extLst>
           </p:cNvPr>
@@ -1949,7 +1949,7 @@
           <a:bodyPr/>
           <a:lstStyle/>
           <a:p>
-            <a:fld id="{6E49BA88-D8B6-4C74-9F6A-E00A22F54367}" type="datetimeFigureOut">
+            <a:fld id="{20E2433E-5BC4-4E4C-A56D-D7914B1D2015}" type="datetimeFigureOut">
               <a:rPr lang="zh-CN" altLang="en-US" smtClean="0"/>
               <a:t>2024/3/10</a:t>
             </a:fld>
@@ -1962,7 +1962,7 @@
           <p:cNvPr id="4" name="页脚占位符 3">
             <a:extLst>
               <a:ext uri="{FF2B5EF4-FFF2-40B4-BE49-F238E27FC236}">
-                <a16:creationId xmlns:a16="http://schemas.microsoft.com/office/drawing/2014/main" id="{D110B347-25F9-EE7B-84CA-89852DAE4AB0}"/>
+                <a16:creationId xmlns:a16="http://schemas.microsoft.com/office/drawing/2014/main" id="{0E59F8D9-5D88-8272-7E93-12E3D71636AC}"/>
               </a:ext>
             </a:extLst>
           </p:cNvPr>
@@ -1987,7 +1987,7 @@
           <p:cNvPr id="5" name="灯片编号占位符 4">
             <a:extLst>
               <a:ext uri="{FF2B5EF4-FFF2-40B4-BE49-F238E27FC236}">
-                <a16:creationId xmlns:a16="http://schemas.microsoft.com/office/drawing/2014/main" id="{771BB1D6-30D2-0290-6E4A-4E96CD31209C}"/>
+                <a16:creationId xmlns:a16="http://schemas.microsoft.com/office/drawing/2014/main" id="{53285B6E-8143-90BC-6CDF-CACE77E2BD98}"/>
               </a:ext>
             </a:extLst>
           </p:cNvPr>
@@ -2003,7 +2003,7 @@
           <a:bodyPr/>
           <a:lstStyle/>
           <a:p>
-            <a:fld id="{3C6C13F4-CD09-4531-B357-7BF6F58EA81C}" type="slidenum">
+            <a:fld id="{15699DE3-29E7-4E9B-AB59-629A396117A4}" type="slidenum">
               <a:rPr lang="zh-CN" altLang="en-US" smtClean="0"/>
               <a:t>‹#›</a:t>
             </a:fld>
@@ -2014,7 +2014,7 @@
     </p:spTree>
     <p:extLst>
       <p:ext uri="{BB962C8B-B14F-4D97-AF65-F5344CB8AC3E}">
-        <p14:creationId xmlns:p14="http://schemas.microsoft.com/office/powerpoint/2010/main" val="3872492348"/>
+        <p14:creationId xmlns:p14="http://schemas.microsoft.com/office/powerpoint/2010/main" val="505589830"/>
       </p:ext>
     </p:extLst>
   </p:cSld>
@@ -2046,7 +2046,7 @@
           <p:cNvPr id="2" name="日期占位符 1">
             <a:extLst>
               <a:ext uri="{FF2B5EF4-FFF2-40B4-BE49-F238E27FC236}">
-                <a16:creationId xmlns:a16="http://schemas.microsoft.com/office/drawing/2014/main" id="{1F06B4DD-141C-8D31-76EB-B0761ACE2781}"/>
+                <a16:creationId xmlns:a16="http://schemas.microsoft.com/office/drawing/2014/main" id="{1EE8421E-DEF5-D328-047A-2ADE189A97CA}"/>
               </a:ext>
             </a:extLst>
           </p:cNvPr>
@@ -2062,7 +2062,7 @@
           <a:bodyPr/>
           <a:lstStyle/>
           <a:p>
-            <a:fld id="{6E49BA88-D8B6-4C74-9F6A-E00A22F54367}" type="datetimeFigureOut">
+            <a:fld id="{20E2433E-5BC4-4E4C-A56D-D7914B1D2015}" type="datetimeFigureOut">
               <a:rPr lang="zh-CN" altLang="en-US" smtClean="0"/>
               <a:t>2024/3/10</a:t>
             </a:fld>
@@ -2075,7 +2075,7 @@
           <p:cNvPr id="3" name="页脚占位符 2">
             <a:extLst>
               <a:ext uri="{FF2B5EF4-FFF2-40B4-BE49-F238E27FC236}">
-                <a16:creationId xmlns:a16="http://schemas.microsoft.com/office/drawing/2014/main" id="{C8332BAE-6338-239A-308C-8324DE698424}"/>
+                <a16:creationId xmlns:a16="http://schemas.microsoft.com/office/drawing/2014/main" id="{F023383C-8F65-D969-D6C1-638C1F83CC17}"/>
               </a:ext>
             </a:extLst>
           </p:cNvPr>
@@ -2100,7 +2100,7 @@
           <p:cNvPr id="4" name="灯片编号占位符 3">
             <a:extLst>
               <a:ext uri="{FF2B5EF4-FFF2-40B4-BE49-F238E27FC236}">
-                <a16:creationId xmlns:a16="http://schemas.microsoft.com/office/drawing/2014/main" id="{9CFB90A2-949F-E0DB-5AE5-CBFB983F1E4A}"/>
+                <a16:creationId xmlns:a16="http://schemas.microsoft.com/office/drawing/2014/main" id="{0A69932D-A779-4608-C757-8861F8E79AEA}"/>
               </a:ext>
             </a:extLst>
           </p:cNvPr>
@@ -2116,7 +2116,7 @@
           <a:bodyPr/>
           <a:lstStyle/>
           <a:p>
-            <a:fld id="{3C6C13F4-CD09-4531-B357-7BF6F58EA81C}" type="slidenum">
+            <a:fld id="{15699DE3-29E7-4E9B-AB59-629A396117A4}" type="slidenum">
               <a:rPr lang="zh-CN" altLang="en-US" smtClean="0"/>
               <a:t>‹#›</a:t>
             </a:fld>
@@ -2127,7 +2127,7 @@
     </p:spTree>
     <p:extLst>
       <p:ext uri="{BB962C8B-B14F-4D97-AF65-F5344CB8AC3E}">
-        <p14:creationId xmlns:p14="http://schemas.microsoft.com/office/powerpoint/2010/main" val="1349767053"/>
+        <p14:creationId xmlns:p14="http://schemas.microsoft.com/office/powerpoint/2010/main" val="3180702961"/>
       </p:ext>
     </p:extLst>
   </p:cSld>
@@ -2159,7 +2159,7 @@
           <p:cNvPr id="2" name="标题 1">
             <a:extLst>
               <a:ext uri="{FF2B5EF4-FFF2-40B4-BE49-F238E27FC236}">
-                <a16:creationId xmlns:a16="http://schemas.microsoft.com/office/drawing/2014/main" id="{41EE597F-2FC9-9A82-0A3F-772C8A356837}"/>
+                <a16:creationId xmlns:a16="http://schemas.microsoft.com/office/drawing/2014/main" id="{BCA2EA26-6651-BB88-486A-78CF3572B7EA}"/>
               </a:ext>
             </a:extLst>
           </p:cNvPr>
@@ -2196,7 +2196,7 @@
           <p:cNvPr id="3" name="内容占位符 2">
             <a:extLst>
               <a:ext uri="{FF2B5EF4-FFF2-40B4-BE49-F238E27FC236}">
-                <a16:creationId xmlns:a16="http://schemas.microsoft.com/office/drawing/2014/main" id="{BAE6DE39-AC32-5466-20EB-831D60B6A746}"/>
+                <a16:creationId xmlns:a16="http://schemas.microsoft.com/office/drawing/2014/main" id="{729A6374-2E21-64A0-AB52-5900EA27F0FD}"/>
               </a:ext>
             </a:extLst>
           </p:cNvPr>
@@ -2286,7 +2286,7 @@
           <p:cNvPr id="4" name="文本占位符 3">
             <a:extLst>
               <a:ext uri="{FF2B5EF4-FFF2-40B4-BE49-F238E27FC236}">
-                <a16:creationId xmlns:a16="http://schemas.microsoft.com/office/drawing/2014/main" id="{989369C9-B847-00E7-0CF6-398040DACE34}"/>
+                <a16:creationId xmlns:a16="http://schemas.microsoft.com/office/drawing/2014/main" id="{A374C554-DADB-E045-4CD2-4C24B64698EE}"/>
               </a:ext>
             </a:extLst>
           </p:cNvPr>
@@ -2357,7 +2357,7 @@
           <p:cNvPr id="5" name="日期占位符 4">
             <a:extLst>
               <a:ext uri="{FF2B5EF4-FFF2-40B4-BE49-F238E27FC236}">
-                <a16:creationId xmlns:a16="http://schemas.microsoft.com/office/drawing/2014/main" id="{7E0A957E-A750-8A38-D145-025DD6C08EB3}"/>
+                <a16:creationId xmlns:a16="http://schemas.microsoft.com/office/drawing/2014/main" id="{B59509CE-862B-53AA-19C2-30917FC20CBD}"/>
               </a:ext>
             </a:extLst>
           </p:cNvPr>
@@ -2373,7 +2373,7 @@
           <a:bodyPr/>
           <a:lstStyle/>
           <a:p>
-            <a:fld id="{6E49BA88-D8B6-4C74-9F6A-E00A22F54367}" type="datetimeFigureOut">
+            <a:fld id="{20E2433E-5BC4-4E4C-A56D-D7914B1D2015}" type="datetimeFigureOut">
               <a:rPr lang="zh-CN" altLang="en-US" smtClean="0"/>
               <a:t>2024/3/10</a:t>
             </a:fld>
@@ -2386,7 +2386,7 @@
           <p:cNvPr id="6" name="页脚占位符 5">
             <a:extLst>
               <a:ext uri="{FF2B5EF4-FFF2-40B4-BE49-F238E27FC236}">
-                <a16:creationId xmlns:a16="http://schemas.microsoft.com/office/drawing/2014/main" id="{E3BA111E-45AD-B435-652C-07337D7F884C}"/>
+                <a16:creationId xmlns:a16="http://schemas.microsoft.com/office/drawing/2014/main" id="{BEE669EE-F3C2-DB81-F521-896CEEDCC178}"/>
               </a:ext>
             </a:extLst>
           </p:cNvPr>
@@ -2411,7 +2411,7 @@
           <p:cNvPr id="7" name="灯片编号占位符 6">
             <a:extLst>
               <a:ext uri="{FF2B5EF4-FFF2-40B4-BE49-F238E27FC236}">
-                <a16:creationId xmlns:a16="http://schemas.microsoft.com/office/drawing/2014/main" id="{BB710FE5-3C76-3CF0-8F76-D19D182CB306}"/>
+                <a16:creationId xmlns:a16="http://schemas.microsoft.com/office/drawing/2014/main" id="{B149B187-2510-981A-D795-B7F7944F3930}"/>
               </a:ext>
             </a:extLst>
           </p:cNvPr>
@@ -2427,7 +2427,7 @@
           <a:bodyPr/>
           <a:lstStyle/>
           <a:p>
-            <a:fld id="{3C6C13F4-CD09-4531-B357-7BF6F58EA81C}" type="slidenum">
+            <a:fld id="{15699DE3-29E7-4E9B-AB59-629A396117A4}" type="slidenum">
               <a:rPr lang="zh-CN" altLang="en-US" smtClean="0"/>
               <a:t>‹#›</a:t>
             </a:fld>
@@ -2438,7 +2438,7 @@
     </p:spTree>
     <p:extLst>
       <p:ext uri="{BB962C8B-B14F-4D97-AF65-F5344CB8AC3E}">
-        <p14:creationId xmlns:p14="http://schemas.microsoft.com/office/powerpoint/2010/main" val="3403504251"/>
+        <p14:creationId xmlns:p14="http://schemas.microsoft.com/office/powerpoint/2010/main" val="4088459060"/>
       </p:ext>
     </p:extLst>
   </p:cSld>
@@ -2470,7 +2470,7 @@
           <p:cNvPr id="2" name="标题 1">
             <a:extLst>
               <a:ext uri="{FF2B5EF4-FFF2-40B4-BE49-F238E27FC236}">
-                <a16:creationId xmlns:a16="http://schemas.microsoft.com/office/drawing/2014/main" id="{9B308314-C8CE-F408-FC1D-861A60F590C9}"/>
+                <a16:creationId xmlns:a16="http://schemas.microsoft.com/office/drawing/2014/main" id="{1778F5EC-9924-F007-BF45-099E4BA0278B}"/>
               </a:ext>
             </a:extLst>
           </p:cNvPr>
@@ -2507,7 +2507,7 @@
           <p:cNvPr id="3" name="图片占位符 2">
             <a:extLst>
               <a:ext uri="{FF2B5EF4-FFF2-40B4-BE49-F238E27FC236}">
-                <a16:creationId xmlns:a16="http://schemas.microsoft.com/office/drawing/2014/main" id="{FDF34AA9-E0D5-CC54-CE2A-C6FF3A673B0E}"/>
+                <a16:creationId xmlns:a16="http://schemas.microsoft.com/office/drawing/2014/main" id="{3DA1E5DA-C7B9-3AFD-8B79-5139BAEB7D8F}"/>
               </a:ext>
             </a:extLst>
           </p:cNvPr>
@@ -2574,7 +2574,7 @@
           <p:cNvPr id="4" name="文本占位符 3">
             <a:extLst>
               <a:ext uri="{FF2B5EF4-FFF2-40B4-BE49-F238E27FC236}">
-                <a16:creationId xmlns:a16="http://schemas.microsoft.com/office/drawing/2014/main" id="{DF6E3E06-7BEF-D4F9-B9AA-CC8D5C4FCAF3}"/>
+                <a16:creationId xmlns:a16="http://schemas.microsoft.com/office/drawing/2014/main" id="{FB3706F4-7967-CF98-F14D-21BE50939C96}"/>
               </a:ext>
             </a:extLst>
           </p:cNvPr>
@@ -2645,7 +2645,7 @@
           <p:cNvPr id="5" name="日期占位符 4">
             <a:extLst>
               <a:ext uri="{FF2B5EF4-FFF2-40B4-BE49-F238E27FC236}">
-                <a16:creationId xmlns:a16="http://schemas.microsoft.com/office/drawing/2014/main" id="{F7BFA45B-6460-6891-559D-14B2AAB4E41A}"/>
+                <a16:creationId xmlns:a16="http://schemas.microsoft.com/office/drawing/2014/main" id="{A7F9F4B7-8931-CB01-A20E-5A278A632C90}"/>
               </a:ext>
             </a:extLst>
           </p:cNvPr>
@@ -2661,7 +2661,7 @@
           <a:bodyPr/>
           <a:lstStyle/>
           <a:p>
-            <a:fld id="{6E49BA88-D8B6-4C74-9F6A-E00A22F54367}" type="datetimeFigureOut">
+            <a:fld id="{20E2433E-5BC4-4E4C-A56D-D7914B1D2015}" type="datetimeFigureOut">
               <a:rPr lang="zh-CN" altLang="en-US" smtClean="0"/>
               <a:t>2024/3/10</a:t>
             </a:fld>
@@ -2674,7 +2674,7 @@
           <p:cNvPr id="6" name="页脚占位符 5">
             <a:extLst>
               <a:ext uri="{FF2B5EF4-FFF2-40B4-BE49-F238E27FC236}">
-                <a16:creationId xmlns:a16="http://schemas.microsoft.com/office/drawing/2014/main" id="{41837FBF-51BC-4EB1-E84E-BE76C4E50034}"/>
+                <a16:creationId xmlns:a16="http://schemas.microsoft.com/office/drawing/2014/main" id="{AC1A0569-4E52-E0CC-E4DF-20338D7431A9}"/>
               </a:ext>
             </a:extLst>
           </p:cNvPr>
@@ -2699,7 +2699,7 @@
           <p:cNvPr id="7" name="灯片编号占位符 6">
             <a:extLst>
               <a:ext uri="{FF2B5EF4-FFF2-40B4-BE49-F238E27FC236}">
-                <a16:creationId xmlns:a16="http://schemas.microsoft.com/office/drawing/2014/main" id="{D97F1926-A858-1BFB-67F0-8D5EC3125533}"/>
+                <a16:creationId xmlns:a16="http://schemas.microsoft.com/office/drawing/2014/main" id="{B6FCB489-C8CC-2ED1-64F1-EA382C1C7291}"/>
               </a:ext>
             </a:extLst>
           </p:cNvPr>
@@ -2715,7 +2715,7 @@
           <a:bodyPr/>
           <a:lstStyle/>
           <a:p>
-            <a:fld id="{3C6C13F4-CD09-4531-B357-7BF6F58EA81C}" type="slidenum">
+            <a:fld id="{15699DE3-29E7-4E9B-AB59-629A396117A4}" type="slidenum">
               <a:rPr lang="zh-CN" altLang="en-US" smtClean="0"/>
               <a:t>‹#›</a:t>
             </a:fld>
@@ -2726,7 +2726,7 @@
     </p:spTree>
     <p:extLst>
       <p:ext uri="{BB962C8B-B14F-4D97-AF65-F5344CB8AC3E}">
-        <p14:creationId xmlns:p14="http://schemas.microsoft.com/office/powerpoint/2010/main" val="1354595209"/>
+        <p14:creationId xmlns:p14="http://schemas.microsoft.com/office/powerpoint/2010/main" val="3461370619"/>
       </p:ext>
     </p:extLst>
   </p:cSld>
@@ -2763,7 +2763,7 @@
           <p:cNvPr id="2" name="标题占位符 1">
             <a:extLst>
               <a:ext uri="{FF2B5EF4-FFF2-40B4-BE49-F238E27FC236}">
-                <a16:creationId xmlns:a16="http://schemas.microsoft.com/office/drawing/2014/main" id="{491BFA26-9077-7672-B4A2-476286D650F1}"/>
+                <a16:creationId xmlns:a16="http://schemas.microsoft.com/office/drawing/2014/main" id="{9165370D-45AC-BCB5-4C83-20FCB1BB79EA}"/>
               </a:ext>
             </a:extLst>
           </p:cNvPr>
@@ -2801,7 +2801,7 @@
           <p:cNvPr id="3" name="文本占位符 2">
             <a:extLst>
               <a:ext uri="{FF2B5EF4-FFF2-40B4-BE49-F238E27FC236}">
-                <a16:creationId xmlns:a16="http://schemas.microsoft.com/office/drawing/2014/main" id="{A3233FBA-2BD8-6CCD-43B5-9E64A23DE2A6}"/>
+                <a16:creationId xmlns:a16="http://schemas.microsoft.com/office/drawing/2014/main" id="{A8B51652-BDEE-083B-C51D-0C170D9B1D6F}"/>
               </a:ext>
             </a:extLst>
           </p:cNvPr>
@@ -2868,7 +2868,7 @@
           <p:cNvPr id="4" name="日期占位符 3">
             <a:extLst>
               <a:ext uri="{FF2B5EF4-FFF2-40B4-BE49-F238E27FC236}">
-                <a16:creationId xmlns:a16="http://schemas.microsoft.com/office/drawing/2014/main" id="{7A541B1B-1DFF-A8A0-C8C8-D5E4E7BA96C3}"/>
+                <a16:creationId xmlns:a16="http://schemas.microsoft.com/office/drawing/2014/main" id="{45B51EA7-2316-70BC-87D9-11AC111EA486}"/>
               </a:ext>
             </a:extLst>
           </p:cNvPr>
@@ -2902,7 +2902,7 @@
             </a:lvl1pPr>
           </a:lstStyle>
           <a:p>
-            <a:fld id="{6E49BA88-D8B6-4C74-9F6A-E00A22F54367}" type="datetimeFigureOut">
+            <a:fld id="{20E2433E-5BC4-4E4C-A56D-D7914B1D2015}" type="datetimeFigureOut">
               <a:rPr lang="zh-CN" altLang="en-US" smtClean="0"/>
               <a:t>2024/3/10</a:t>
             </a:fld>
@@ -2915,7 +2915,7 @@
           <p:cNvPr id="5" name="页脚占位符 4">
             <a:extLst>
               <a:ext uri="{FF2B5EF4-FFF2-40B4-BE49-F238E27FC236}">
-                <a16:creationId xmlns:a16="http://schemas.microsoft.com/office/drawing/2014/main" id="{38882B13-66FF-ADAC-7C32-AE44391B2936}"/>
+                <a16:creationId xmlns:a16="http://schemas.microsoft.com/office/drawing/2014/main" id="{971C7AA9-3021-ED44-C0FF-988DB0169782}"/>
               </a:ext>
             </a:extLst>
           </p:cNvPr>
@@ -2958,7 +2958,7 @@
           <p:cNvPr id="6" name="灯片编号占位符 5">
             <a:extLst>
               <a:ext uri="{FF2B5EF4-FFF2-40B4-BE49-F238E27FC236}">
-                <a16:creationId xmlns:a16="http://schemas.microsoft.com/office/drawing/2014/main" id="{6EC8CC75-32D8-A04B-7C38-AA8A323484A4}"/>
+                <a16:creationId xmlns:a16="http://schemas.microsoft.com/office/drawing/2014/main" id="{58364640-AE9E-23C7-7AA4-BB198376EB3A}"/>
               </a:ext>
             </a:extLst>
           </p:cNvPr>
@@ -2992,7 +2992,7 @@
             </a:lvl1pPr>
           </a:lstStyle>
           <a:p>
-            <a:fld id="{3C6C13F4-CD09-4531-B357-7BF6F58EA81C}" type="slidenum">
+            <a:fld id="{15699DE3-29E7-4E9B-AB59-629A396117A4}" type="slidenum">
               <a:rPr lang="zh-CN" altLang="en-US" smtClean="0"/>
               <a:t>‹#›</a:t>
             </a:fld>
@@ -3003,7 +3003,7 @@
     </p:spTree>
     <p:extLst>
       <p:ext uri="{BB962C8B-B14F-4D97-AF65-F5344CB8AC3E}">
-        <p14:creationId xmlns:p14="http://schemas.microsoft.com/office/powerpoint/2010/main" val="2741800397"/>
+        <p14:creationId xmlns:p14="http://schemas.microsoft.com/office/powerpoint/2010/main" val="4215026141"/>
       </p:ext>
     </p:extLst>
   </p:cSld>
@@ -3323,7 +3323,7 @@
       </p:grpSpPr>
       <p:pic>
         <p:nvPicPr>
-          <p:cNvPr id="284674" name="Picture 2" descr="277"/>
+          <p:cNvPr id="285698" name="Picture 2" descr="278"/>
           <p:cNvPicPr>
             <a:picLocks noChangeAspect="1" noChangeArrowheads="1"/>
           </p:cNvPicPr>
@@ -3344,8 +3344,8 @@
         </p:blipFill>
         <p:spPr bwMode="auto">
           <a:xfrm>
-            <a:off x="1524000" y="1"/>
-            <a:ext cx="9144000" cy="5300663"/>
+            <a:off x="1524000" y="0"/>
+            <a:ext cx="9144000" cy="6858000"/>
           </a:xfrm>
           <a:prstGeom prst="rect">
             <a:avLst/>
